--- a/Later/Lombok/2/Project Lombok in Java and How to get started.pptx
+++ b/Later/Lombok/2/Project Lombok in Java and How to get started.pptx
@@ -5,12 +5,13 @@
     <p:sldMasterId id="2147483696" r:id="rId1"/>
   </p:sldMasterIdLst>
   <p:notesMasterIdLst>
-    <p:notesMasterId r:id="rId5"/>
+    <p:notesMasterId r:id="rId6"/>
   </p:notesMasterIdLst>
   <p:sldIdLst>
     <p:sldId id="261" r:id="rId2"/>
     <p:sldId id="262" r:id="rId3"/>
-    <p:sldId id="259" r:id="rId4"/>
+    <p:sldId id="263" r:id="rId4"/>
+    <p:sldId id="259" r:id="rId5"/>
   </p:sldIdLst>
   <p:sldSz cx="12192000" cy="6858000"/>
   <p:notesSz cx="6858000" cy="9144000"/>
@@ -199,7 +200,7 @@
           <a:p>
             <a:fld id="{B952EE8D-25A7-481D-92B1-5085E9B9CBCE}" type="datetimeFigureOut">
               <a:rPr lang="en-US" smtClean="0"/>
-              <a:t>6/1/2021</a:t>
+              <a:t>6/2/2021</a:t>
             </a:fld>
             <a:endParaRPr lang="en-US"/>
           </a:p>
@@ -597,7 +598,7 @@
           <a:p>
             <a:fld id="{2A11AA57-4071-4FC9-B184-208BADF0EDDB}" type="datetimeFigureOut">
               <a:rPr lang="en-US" smtClean="0"/>
-              <a:t>6/1/2021</a:t>
+              <a:t>6/2/2021</a:t>
             </a:fld>
             <a:endParaRPr lang="en-US"/>
           </a:p>
@@ -767,7 +768,7 @@
           <a:p>
             <a:fld id="{2A11AA57-4071-4FC9-B184-208BADF0EDDB}" type="datetimeFigureOut">
               <a:rPr lang="en-US" smtClean="0"/>
-              <a:t>6/1/2021</a:t>
+              <a:t>6/2/2021</a:t>
             </a:fld>
             <a:endParaRPr lang="en-US"/>
           </a:p>
@@ -947,7 +948,7 @@
           <a:p>
             <a:fld id="{2A11AA57-4071-4FC9-B184-208BADF0EDDB}" type="datetimeFigureOut">
               <a:rPr lang="en-US" smtClean="0"/>
-              <a:t>6/1/2021</a:t>
+              <a:t>6/2/2021</a:t>
             </a:fld>
             <a:endParaRPr lang="en-US"/>
           </a:p>
@@ -1117,7 +1118,7 @@
           <a:p>
             <a:fld id="{2A11AA57-4071-4FC9-B184-208BADF0EDDB}" type="datetimeFigureOut">
               <a:rPr lang="en-US" smtClean="0"/>
-              <a:t>6/1/2021</a:t>
+              <a:t>6/2/2021</a:t>
             </a:fld>
             <a:endParaRPr lang="en-US"/>
           </a:p>
@@ -1363,7 +1364,7 @@
           <a:p>
             <a:fld id="{2A11AA57-4071-4FC9-B184-208BADF0EDDB}" type="datetimeFigureOut">
               <a:rPr lang="en-US" smtClean="0"/>
-              <a:t>6/1/2021</a:t>
+              <a:t>6/2/2021</a:t>
             </a:fld>
             <a:endParaRPr lang="en-US"/>
           </a:p>
@@ -1595,7 +1596,7 @@
           <a:p>
             <a:fld id="{2A11AA57-4071-4FC9-B184-208BADF0EDDB}" type="datetimeFigureOut">
               <a:rPr lang="en-US" smtClean="0"/>
-              <a:t>6/1/2021</a:t>
+              <a:t>6/2/2021</a:t>
             </a:fld>
             <a:endParaRPr lang="en-US"/>
           </a:p>
@@ -1962,7 +1963,7 @@
           <a:p>
             <a:fld id="{2A11AA57-4071-4FC9-B184-208BADF0EDDB}" type="datetimeFigureOut">
               <a:rPr lang="en-US" smtClean="0"/>
-              <a:t>6/1/2021</a:t>
+              <a:t>6/2/2021</a:t>
             </a:fld>
             <a:endParaRPr lang="en-US"/>
           </a:p>
@@ -2080,7 +2081,7 @@
           <a:p>
             <a:fld id="{2A11AA57-4071-4FC9-B184-208BADF0EDDB}" type="datetimeFigureOut">
               <a:rPr lang="en-US" smtClean="0"/>
-              <a:t>6/1/2021</a:t>
+              <a:t>6/2/2021</a:t>
             </a:fld>
             <a:endParaRPr lang="en-US"/>
           </a:p>
@@ -2175,7 +2176,7 @@
           <a:p>
             <a:fld id="{2A11AA57-4071-4FC9-B184-208BADF0EDDB}" type="datetimeFigureOut">
               <a:rPr lang="en-US" smtClean="0"/>
-              <a:t>6/1/2021</a:t>
+              <a:t>6/2/2021</a:t>
             </a:fld>
             <a:endParaRPr lang="en-US"/>
           </a:p>
@@ -2452,7 +2453,7 @@
           <a:p>
             <a:fld id="{2A11AA57-4071-4FC9-B184-208BADF0EDDB}" type="datetimeFigureOut">
               <a:rPr lang="en-US" smtClean="0"/>
-              <a:t>6/1/2021</a:t>
+              <a:t>6/2/2021</a:t>
             </a:fld>
             <a:endParaRPr lang="en-US"/>
           </a:p>
@@ -2709,7 +2710,7 @@
           <a:p>
             <a:fld id="{2A11AA57-4071-4FC9-B184-208BADF0EDDB}" type="datetimeFigureOut">
               <a:rPr lang="en-US" smtClean="0"/>
-              <a:t>6/1/2021</a:t>
+              <a:t>6/2/2021</a:t>
             </a:fld>
             <a:endParaRPr lang="en-US"/>
           </a:p>
@@ -2922,7 +2923,7 @@
           <a:p>
             <a:fld id="{2A11AA57-4071-4FC9-B184-208BADF0EDDB}" type="datetimeFigureOut">
               <a:rPr lang="en-US" smtClean="0"/>
-              <a:t>6/1/2021</a:t>
+              <a:t>6/2/2021</a:t>
             </a:fld>
             <a:endParaRPr lang="en-US"/>
           </a:p>
@@ -3842,6 +3843,173 @@
 </file>
 
 <file path=ppt/slides/slide3.xml><?xml version="1.0" encoding="utf-8"?>
+<p:sld xmlns:a="http://schemas.openxmlformats.org/drawingml/2006/main" xmlns:r="http://schemas.openxmlformats.org/officeDocument/2006/relationships" xmlns:p="http://schemas.openxmlformats.org/presentationml/2006/main">
+  <p:cSld>
+    <p:spTree>
+      <p:nvGrpSpPr>
+        <p:cNvPr id="1" name=""/>
+        <p:cNvGrpSpPr/>
+        <p:nvPr/>
+      </p:nvGrpSpPr>
+      <p:grpSpPr>
+        <a:xfrm>
+          <a:off x="0" y="0"/>
+          <a:ext cx="0" cy="0"/>
+          <a:chOff x="0" y="0"/>
+          <a:chExt cx="0" cy="0"/>
+        </a:xfrm>
+      </p:grpSpPr>
+      <p:sp>
+        <p:nvSpPr>
+          <p:cNvPr id="11" name="TextBox 10">
+            <a:extLst>
+              <a:ext uri="{FF2B5EF4-FFF2-40B4-BE49-F238E27FC236}">
+                <a16:creationId xmlns:a16="http://schemas.microsoft.com/office/drawing/2014/main" id="{257321A7-D2B8-4F46-9A35-BD949FCA323A}"/>
+              </a:ext>
+            </a:extLst>
+          </p:cNvPr>
+          <p:cNvSpPr txBox="1"/>
+          <p:nvPr/>
+        </p:nvSpPr>
+        <p:spPr>
+          <a:xfrm>
+            <a:off x="3235088" y="30398"/>
+            <a:ext cx="6099875" cy="461665"/>
+          </a:xfrm>
+          <a:prstGeom prst="rect">
+            <a:avLst/>
+          </a:prstGeom>
+        </p:spPr>
+        <p:style>
+          <a:lnRef idx="1">
+            <a:schemeClr val="accent1"/>
+          </a:lnRef>
+          <a:fillRef idx="3">
+            <a:schemeClr val="accent1"/>
+          </a:fillRef>
+          <a:effectRef idx="2">
+            <a:schemeClr val="accent1"/>
+          </a:effectRef>
+          <a:fontRef idx="minor">
+            <a:schemeClr val="lt1"/>
+          </a:fontRef>
+        </p:style>
+        <p:txBody>
+          <a:bodyPr wrap="none" rtlCol="0">
+            <a:spAutoFit/>
+          </a:bodyPr>
+          <a:lstStyle/>
+          <a:p>
+            <a:pPr algn="ctr"/>
+            <a:r>
+              <a:rPr lang="en-US" sz="2400" dirty="0"/>
+              <a:t>Project Lombok in Java and How to get started</a:t>
+            </a:r>
+            <a:endParaRPr lang="en-US" sz="3200" dirty="0"/>
+          </a:p>
+        </p:txBody>
+      </p:sp>
+      <p:sp>
+        <p:nvSpPr>
+          <p:cNvPr id="2" name="Rectangle 1">
+            <a:extLst>
+              <a:ext uri="{FF2B5EF4-FFF2-40B4-BE49-F238E27FC236}">
+                <a16:creationId xmlns:a16="http://schemas.microsoft.com/office/drawing/2014/main" id="{3BE08354-A54A-4466-81DE-90C16958CBF8}"/>
+              </a:ext>
+            </a:extLst>
+          </p:cNvPr>
+          <p:cNvSpPr/>
+          <p:nvPr/>
+        </p:nvSpPr>
+        <p:spPr>
+          <a:xfrm>
+            <a:off x="529883" y="927519"/>
+            <a:ext cx="10260036" cy="923330"/>
+          </a:xfrm>
+          <a:prstGeom prst="rect">
+            <a:avLst/>
+          </a:prstGeom>
+        </p:spPr>
+        <p:txBody>
+          <a:bodyPr wrap="square">
+            <a:spAutoFit/>
+          </a:bodyPr>
+          <a:lstStyle/>
+          <a:p>
+            <a:r>
+              <a:rPr lang="en-US" b="1" dirty="0">
+                <a:solidFill>
+                  <a:srgbClr val="222635"/>
+                </a:solidFill>
+                <a:latin typeface="Helvetica Neue"/>
+              </a:rPr>
+              <a:t>@Log4j, @Slf4j</a:t>
+            </a:r>
+          </a:p>
+          <a:p>
+            <a:r>
+              <a:rPr lang="en-US" dirty="0">
+                <a:solidFill>
+                  <a:srgbClr val="222635"/>
+                </a:solidFill>
+                <a:latin typeface="Cambria" panose="02040503050406030204" pitchFamily="18" charset="0"/>
+              </a:rPr>
+              <a:t>These annotations are used to generate code related to the logger, as demonstrated in the following example.</a:t>
+            </a:r>
+            <a:endParaRPr lang="en-US" b="0" i="0" dirty="0">
+              <a:solidFill>
+                <a:srgbClr val="222635"/>
+              </a:solidFill>
+              <a:effectLst/>
+              <a:latin typeface="Cambria" panose="02040503050406030204" pitchFamily="18" charset="0"/>
+            </a:endParaRPr>
+          </a:p>
+        </p:txBody>
+      </p:sp>
+      <p:pic>
+        <p:nvPicPr>
+          <p:cNvPr id="3" name="Picture 2">
+            <a:extLst>
+              <a:ext uri="{FF2B5EF4-FFF2-40B4-BE49-F238E27FC236}">
+                <a16:creationId xmlns:a16="http://schemas.microsoft.com/office/drawing/2014/main" id="{2BE49360-C47F-43F9-AB76-E5BB41ED994A}"/>
+              </a:ext>
+            </a:extLst>
+          </p:cNvPr>
+          <p:cNvPicPr>
+            <a:picLocks noChangeAspect="1"/>
+          </p:cNvPicPr>
+          <p:nvPr/>
+        </p:nvPicPr>
+        <p:blipFill>
+          <a:blip r:embed="rId2"/>
+          <a:stretch>
+            <a:fillRect/>
+          </a:stretch>
+        </p:blipFill>
+        <p:spPr>
+          <a:xfrm>
+            <a:off x="1237958" y="1983545"/>
+            <a:ext cx="9551962" cy="4661177"/>
+          </a:xfrm>
+          <a:prstGeom prst="rect">
+            <a:avLst/>
+          </a:prstGeom>
+        </p:spPr>
+      </p:pic>
+    </p:spTree>
+    <p:extLst>
+      <p:ext uri="{BB962C8B-B14F-4D97-AF65-F5344CB8AC3E}">
+        <p14:creationId xmlns:p14="http://schemas.microsoft.com/office/powerpoint/2010/main" val="2379038887"/>
+      </p:ext>
+    </p:extLst>
+  </p:cSld>
+  <p:clrMapOvr>
+    <a:masterClrMapping/>
+  </p:clrMapOvr>
+</p:sld>
+</file>
+
+<file path=ppt/slides/slide4.xml><?xml version="1.0" encoding="utf-8"?>
 <p:sld xmlns:a="http://schemas.openxmlformats.org/drawingml/2006/main" xmlns:r="http://schemas.openxmlformats.org/officeDocument/2006/relationships" xmlns:p="http://schemas.openxmlformats.org/presentationml/2006/main">
   <p:cSld>
     <p:spTree>
